--- a/sessions/session-08/slides.pptx
+++ b/sessions/session-08/slides.pptx
@@ -3512,11 +3512,11 @@
         <p:spPr>
           <a:xfrm>
             <a:off x="548640" y="1371600"/>
-            <a:ext cx="8046720" cy="3291840"/>
+            <a:ext cx="8046720" cy="2743200"/>
           </a:xfrm>
           <a:prstGeom prst="rect">
             <a:avLst>
-              <a:gd name="adj" fmla="val 2778"/>
+              <a:gd name="adj" fmla="val 3333"/>
             </a:avLst>
           </a:prstGeom>
           <a:solidFill>
@@ -3534,7 +3534,7 @@
         <p:spPr>
           <a:xfrm>
             <a:off x="731520" y="1508760"/>
-            <a:ext cx="7680960" cy="3017520"/>
+            <a:ext cx="7680960" cy="2468880"/>
           </a:xfrm>
           <a:prstGeom prst="rect">
             <a:avLst/>
@@ -3553,7 +3553,7 @@
               <a:buNone/>
             </a:pPr>
             <a:r>
-              <a:rPr lang="en-US" sz="1100" dirty="0">
+              <a:rPr lang="en-US" sz="1000" dirty="0">
                 <a:solidFill>
                   <a:srgbClr val="D4D4D4"/>
                 </a:solidFill>
@@ -3563,7 +3563,7 @@
               </a:rPr>
               <a:t>name: Weekly Equipment Check Reminder</a:t>
             </a:r>
-            <a:endParaRPr lang="en-US" sz="1100" dirty="0"/>
+            <a:endParaRPr lang="en-US" sz="1000" dirty="0"/>
           </a:p>
           <a:p>
             <a:pPr indent="0" marL="0">
@@ -3572,7 +3572,7 @@
               </a:lnSpc>
               <a:buNone/>
             </a:pPr>
-            <a:endParaRPr lang="en-US" sz="1100" dirty="0"/>
+            <a:endParaRPr lang="en-US" sz="1000" dirty="0"/>
           </a:p>
           <a:p>
             <a:pPr indent="0" marL="0">
@@ -3582,7 +3582,7 @@
               <a:buNone/>
             </a:pPr>
             <a:r>
-              <a:rPr lang="en-US" sz="1100" dirty="0">
+              <a:rPr lang="en-US" sz="1000" dirty="0">
                 <a:solidFill>
                   <a:srgbClr val="D4D4D4"/>
                 </a:solidFill>
@@ -3592,7 +3592,7 @@
               </a:rPr>
               <a:t>on:</a:t>
             </a:r>
-            <a:endParaRPr lang="en-US" sz="1100" dirty="0"/>
+            <a:endParaRPr lang="en-US" sz="1000" dirty="0"/>
           </a:p>
           <a:p>
             <a:pPr indent="0" marL="0">
@@ -3602,7 +3602,7 @@
               <a:buNone/>
             </a:pPr>
             <a:r>
-              <a:rPr lang="en-US" sz="1100" dirty="0">
+              <a:rPr lang="en-US" sz="1000" dirty="0">
                 <a:solidFill>
                   <a:srgbClr val="D4D4D4"/>
                 </a:solidFill>
@@ -3612,7 +3612,7 @@
               </a:rPr>
               <a:t>  schedule:</a:t>
             </a:r>
-            <a:endParaRPr lang="en-US" sz="1100" dirty="0"/>
+            <a:endParaRPr lang="en-US" sz="1000" dirty="0"/>
           </a:p>
           <a:p>
             <a:pPr indent="0" marL="0">
@@ -3622,7 +3622,7 @@
               <a:buNone/>
             </a:pPr>
             <a:r>
-              <a:rPr lang="en-US" sz="1100" dirty="0">
+              <a:rPr lang="en-US" sz="1000" dirty="0">
                 <a:solidFill>
                   <a:srgbClr val="D4D4D4"/>
                 </a:solidFill>
@@ -3632,7 +3632,7 @@
               </a:rPr>
               <a:t>    - cron: '0 13 * * 1'</a:t>
             </a:r>
-            <a:endParaRPr lang="en-US" sz="1100" dirty="0"/>
+            <a:endParaRPr lang="en-US" sz="1000" dirty="0"/>
           </a:p>
           <a:p>
             <a:pPr indent="0" marL="0">
@@ -3641,7 +3641,7 @@
               </a:lnSpc>
               <a:buNone/>
             </a:pPr>
-            <a:endParaRPr lang="en-US" sz="1100" dirty="0"/>
+            <a:endParaRPr lang="en-US" sz="1000" dirty="0"/>
           </a:p>
           <a:p>
             <a:pPr indent="0" marL="0">
@@ -3651,7 +3651,7 @@
               <a:buNone/>
             </a:pPr>
             <a:r>
-              <a:rPr lang="en-US" sz="1100" dirty="0">
+              <a:rPr lang="en-US" sz="1000" dirty="0">
                 <a:solidFill>
                   <a:srgbClr val="D4D4D4"/>
                 </a:solidFill>
@@ -3661,7 +3661,7 @@
               </a:rPr>
               <a:t>jobs:</a:t>
             </a:r>
-            <a:endParaRPr lang="en-US" sz="1100" dirty="0"/>
+            <a:endParaRPr lang="en-US" sz="1000" dirty="0"/>
           </a:p>
           <a:p>
             <a:pPr indent="0" marL="0">
@@ -3671,7 +3671,7 @@
               <a:buNone/>
             </a:pPr>
             <a:r>
-              <a:rPr lang="en-US" sz="1100" dirty="0">
+              <a:rPr lang="en-US" sz="1000" dirty="0">
                 <a:solidFill>
                   <a:srgbClr val="D4D4D4"/>
                 </a:solidFill>
@@ -3681,7 +3681,7 @@
               </a:rPr>
               <a:t>  create-reminder:</a:t>
             </a:r>
-            <a:endParaRPr lang="en-US" sz="1100" dirty="0"/>
+            <a:endParaRPr lang="en-US" sz="1000" dirty="0"/>
           </a:p>
           <a:p>
             <a:pPr indent="0" marL="0">
@@ -3691,7 +3691,7 @@
               <a:buNone/>
             </a:pPr>
             <a:r>
-              <a:rPr lang="en-US" sz="1100" dirty="0">
+              <a:rPr lang="en-US" sz="1000" dirty="0">
                 <a:solidFill>
                   <a:srgbClr val="D4D4D4"/>
                 </a:solidFill>
@@ -3701,7 +3701,7 @@
               </a:rPr>
               <a:t>    runs-on: ubuntu-latest</a:t>
             </a:r>
-            <a:endParaRPr lang="en-US" sz="1100" dirty="0"/>
+            <a:endParaRPr lang="en-US" sz="1000" dirty="0"/>
           </a:p>
           <a:p>
             <a:pPr indent="0" marL="0">
@@ -3711,7 +3711,7 @@
               <a:buNone/>
             </a:pPr>
             <a:r>
-              <a:rPr lang="en-US" sz="1100" dirty="0">
+              <a:rPr lang="en-US" sz="1000" dirty="0">
                 <a:solidFill>
                   <a:srgbClr val="D4D4D4"/>
                 </a:solidFill>
@@ -3721,7 +3721,7 @@
               </a:rPr>
               <a:t>    steps:</a:t>
             </a:r>
-            <a:endParaRPr lang="en-US" sz="1100" dirty="0"/>
+            <a:endParaRPr lang="en-US" sz="1000" dirty="0"/>
           </a:p>
           <a:p>
             <a:pPr indent="0" marL="0">
@@ -3731,7 +3731,7 @@
               <a:buNone/>
             </a:pPr>
             <a:r>
-              <a:rPr lang="en-US" sz="1100" dirty="0">
+              <a:rPr lang="en-US" sz="1000" dirty="0">
                 <a:solidFill>
                   <a:srgbClr val="D4D4D4"/>
                 </a:solidFill>
@@ -3741,7 +3741,7 @@
               </a:rPr>
               <a:t>      - name: Create equipment check issue</a:t>
             </a:r>
-            <a:endParaRPr lang="en-US" sz="1100" dirty="0"/>
+            <a:endParaRPr lang="en-US" sz="1000" dirty="0"/>
           </a:p>
           <a:p>
             <a:pPr indent="0" marL="0">
@@ -3751,7 +3751,7 @@
               <a:buNone/>
             </a:pPr>
             <a:r>
-              <a:rPr lang="en-US" sz="1100" dirty="0">
+              <a:rPr lang="en-US" sz="1000" dirty="0">
                 <a:solidFill>
                   <a:srgbClr val="D4D4D4"/>
                 </a:solidFill>
@@ -3761,7 +3761,7 @@
               </a:rPr>
               <a:t>        uses: actions/github-script@v7</a:t>
             </a:r>
-            <a:endParaRPr lang="en-US" sz="1100" dirty="0"/>
+            <a:endParaRPr lang="en-US" sz="1000" dirty="0"/>
           </a:p>
           <a:p>
             <a:pPr indent="0" marL="0">
@@ -3771,7 +3771,7 @@
               <a:buNone/>
             </a:pPr>
             <a:r>
-              <a:rPr lang="en-US" sz="1100" dirty="0">
+              <a:rPr lang="en-US" sz="1000" dirty="0">
                 <a:solidFill>
                   <a:srgbClr val="D4D4D4"/>
                 </a:solidFill>
@@ -3781,7 +3781,7 @@
               </a:rPr>
               <a:t>        with:</a:t>
             </a:r>
-            <a:endParaRPr lang="en-US" sz="1100" dirty="0"/>
+            <a:endParaRPr lang="en-US" sz="1000" dirty="0"/>
           </a:p>
           <a:p>
             <a:pPr indent="0" marL="0">
@@ -3791,7 +3791,7 @@
               <a:buNone/>
             </a:pPr>
             <a:r>
-              <a:rPr lang="en-US" sz="1100" dirty="0">
+              <a:rPr lang="en-US" sz="1000" dirty="0">
                 <a:solidFill>
                   <a:srgbClr val="D4D4D4"/>
                 </a:solidFill>
@@ -3801,7 +3801,7 @@
               </a:rPr>
               <a:t>          script: |</a:t>
             </a:r>
-            <a:endParaRPr lang="en-US" sz="1100" dirty="0"/>
+            <a:endParaRPr lang="en-US" sz="1000" dirty="0"/>
           </a:p>
           <a:p>
             <a:pPr indent="0" marL="0">
@@ -3811,7 +3811,7 @@
               <a:buNone/>
             </a:pPr>
             <a:r>
-              <a:rPr lang="en-US" sz="1100" dirty="0">
+              <a:rPr lang="en-US" sz="1000" dirty="0">
                 <a:solidFill>
                   <a:srgbClr val="D4D4D4"/>
                 </a:solidFill>
@@ -3821,7 +3821,7 @@
               </a:rPr>
               <a:t>            await github.rest.issues.create({</a:t>
             </a:r>
-            <a:endParaRPr lang="en-US" sz="1100" dirty="0"/>
+            <a:endParaRPr lang="en-US" sz="1000" dirty="0"/>
           </a:p>
           <a:p>
             <a:pPr indent="0" marL="0">
@@ -3831,7 +3831,7 @@
               <a:buNone/>
             </a:pPr>
             <a:r>
-              <a:rPr lang="en-US" sz="1100" dirty="0">
+              <a:rPr lang="en-US" sz="1000" dirty="0">
                 <a:solidFill>
                   <a:srgbClr val="D4D4D4"/>
                 </a:solidFill>
@@ -3841,7 +3841,7 @@
               </a:rPr>
               <a:t>              owner: context.repo.owner,</a:t>
             </a:r>
-            <a:endParaRPr lang="en-US" sz="1100" dirty="0"/>
+            <a:endParaRPr lang="en-US" sz="1000" dirty="0"/>
           </a:p>
           <a:p>
             <a:pPr indent="0" marL="0">
@@ -3851,7 +3851,7 @@
               <a:buNone/>
             </a:pPr>
             <a:r>
-              <a:rPr lang="en-US" sz="1100" dirty="0">
+              <a:rPr lang="en-US" sz="1000" dirty="0">
                 <a:solidFill>
                   <a:srgbClr val="D4D4D4"/>
                 </a:solidFill>
@@ -3861,7 +3861,7 @@
               </a:rPr>
               <a:t>              repo: context.repo.repo,</a:t>
             </a:r>
-            <a:endParaRPr lang="en-US" sz="1100" dirty="0"/>
+            <a:endParaRPr lang="en-US" sz="1000" dirty="0"/>
           </a:p>
           <a:p>
             <a:pPr indent="0" marL="0">
@@ -3871,7 +3871,7 @@
               <a:buNone/>
             </a:pPr>
             <a:r>
-              <a:rPr lang="en-US" sz="1100" dirty="0">
+              <a:rPr lang="en-US" sz="1000" dirty="0">
                 <a:solidFill>
                   <a:srgbClr val="D4D4D4"/>
                 </a:solidFill>
@@ -3881,7 +3881,7 @@
               </a:rPr>
               <a:t>              title: 'Weekly Equipment Check - '</a:t>
             </a:r>
-            <a:endParaRPr lang="en-US" sz="1100" dirty="0"/>
+            <a:endParaRPr lang="en-US" sz="1000" dirty="0"/>
           </a:p>
           <a:p>
             <a:pPr indent="0" marL="0">
@@ -3891,7 +3891,7 @@
               <a:buNone/>
             </a:pPr>
             <a:r>
-              <a:rPr lang="en-US" sz="1100" dirty="0">
+              <a:rPr lang="en-US" sz="1000" dirty="0">
                 <a:solidFill>
                   <a:srgbClr val="D4D4D4"/>
                 </a:solidFill>
@@ -3901,7 +3901,7 @@
               </a:rPr>
               <a:t>                     + new Date().toLocaleDateString(),</a:t>
             </a:r>
-            <a:endParaRPr lang="en-US" sz="1100" dirty="0"/>
+            <a:endParaRPr lang="en-US" sz="1000" dirty="0"/>
           </a:p>
           <a:p>
             <a:pPr indent="0" marL="0">
@@ -3911,7 +3911,7 @@
               <a:buNone/>
             </a:pPr>
             <a:r>
-              <a:rPr lang="en-US" sz="1100" dirty="0">
+              <a:rPr lang="en-US" sz="1000" dirty="0">
                 <a:solidFill>
                   <a:srgbClr val="D4D4D4"/>
                 </a:solidFill>
@@ -3921,7 +3921,7 @@
               </a:rPr>
               <a:t>              body: '## Equipment Check Checklist\n'</a:t>
             </a:r>
-            <a:endParaRPr lang="en-US" sz="1100" dirty="0"/>
+            <a:endParaRPr lang="en-US" sz="1000" dirty="0"/>
           </a:p>
           <a:p>
             <a:pPr indent="0" marL="0">
@@ -3931,7 +3931,7 @@
               <a:buNone/>
             </a:pPr>
             <a:r>
-              <a:rPr lang="en-US" sz="1100" dirty="0">
+              <a:rPr lang="en-US" sz="1000" dirty="0">
                 <a:solidFill>
                   <a:srgbClr val="D4D4D4"/>
                 </a:solidFill>
@@ -3941,7 +3941,7 @@
               </a:rPr>
               <a:t>                    + '- [ ] Check tractor oil\n'</a:t>
             </a:r>
-            <a:endParaRPr lang="en-US" sz="1100" dirty="0"/>
+            <a:endParaRPr lang="en-US" sz="1000" dirty="0"/>
           </a:p>
           <a:p>
             <a:pPr indent="0" marL="0">
@@ -3951,7 +3951,7 @@
               <a:buNone/>
             </a:pPr>
             <a:r>
-              <a:rPr lang="en-US" sz="1100" dirty="0">
+              <a:rPr lang="en-US" sz="1000" dirty="0">
                 <a:solidFill>
                   <a:srgbClr val="D4D4D4"/>
                 </a:solidFill>
@@ -3961,7 +3961,7 @@
               </a:rPr>
               <a:t>                    + '- [ ] Inspect irrigation lines',</a:t>
             </a:r>
-            <a:endParaRPr lang="en-US" sz="1100" dirty="0"/>
+            <a:endParaRPr lang="en-US" sz="1000" dirty="0"/>
           </a:p>
           <a:p>
             <a:pPr indent="0" marL="0">
@@ -3971,7 +3971,7 @@
               <a:buNone/>
             </a:pPr>
             <a:r>
-              <a:rPr lang="en-US" sz="1100" dirty="0">
+              <a:rPr lang="en-US" sz="1000" dirty="0">
                 <a:solidFill>
                   <a:srgbClr val="D4D4D4"/>
                 </a:solidFill>
@@ -3981,7 +3981,7 @@
               </a:rPr>
               <a:t>              labels: ['equipment', 'recurring']</a:t>
             </a:r>
-            <a:endParaRPr lang="en-US" sz="1100" dirty="0"/>
+            <a:endParaRPr lang="en-US" sz="1000" dirty="0"/>
           </a:p>
           <a:p>
             <a:pPr indent="0" marL="0">
@@ -3991,7 +3991,7 @@
               <a:buNone/>
             </a:pPr>
             <a:r>
-              <a:rPr lang="en-US" sz="1100" dirty="0">
+              <a:rPr lang="en-US" sz="1000" dirty="0">
                 <a:solidFill>
                   <a:srgbClr val="D4D4D4"/>
                 </a:solidFill>
@@ -4001,7 +4001,7 @@
               </a:rPr>
               <a:t>            })</a:t>
             </a:r>
-            <a:endParaRPr lang="en-US" sz="1100" dirty="0"/>
+            <a:endParaRPr lang="en-US" sz="1000" dirty="0"/>
           </a:p>
         </p:txBody>
       </p:sp>
@@ -4013,7 +4013,7 @@
         </p:nvSpPr>
         <p:spPr>
           <a:xfrm>
-            <a:off x="548640" y="4572000"/>
+            <a:off x="548640" y="4160520"/>
             <a:ext cx="8046720" cy="274320"/>
           </a:xfrm>
           <a:prstGeom prst="rect">
@@ -4033,7 +4033,7 @@
               <a:buNone/>
             </a:pPr>
             <a:r>
-              <a:rPr lang="en-US" sz="1400" i="1" dirty="0">
+              <a:rPr lang="en-US" sz="1300" i="1" dirty="0">
                 <a:solidFill>
                   <a:srgbClr val="4E9F3D"/>
                 </a:solidFill>
@@ -4043,7 +4043,7 @@
               </a:rPr>
               <a:t>Don’t panic! We’ll break this down piece by piece.</a:t>
             </a:r>
-            <a:endParaRPr lang="en-US" sz="1400" dirty="0"/>
+            <a:endParaRPr lang="en-US" sz="1300" dirty="0"/>
           </a:p>
         </p:txBody>
       </p:sp>
@@ -4166,7 +4166,7 @@
         <p:spPr>
           <a:xfrm>
             <a:off x="548640" y="1005840"/>
-            <a:ext cx="8046720" cy="274320"/>
+            <a:ext cx="8046720" cy="228600"/>
           </a:xfrm>
           <a:prstGeom prst="rect">
             <a:avLst/>
@@ -4226,7 +4226,7 @@
                 <a:gridCol w="2377440"/>
                 <a:gridCol w="3291840"/>
               </a:tblGrid>
-              <a:tr h="329184">
+              <a:tr h="320040">
                 <a:tc>
                   <a:txBody>
                     <a:bodyPr/>
@@ -4432,7 +4432,7 @@
                   </a:tcPr>
                 </a:tc>
               </a:tr>
-              <a:tr h="329184">
+              <a:tr h="320040">
                 <a:tc>
                   <a:txBody>
                     <a:bodyPr/>
@@ -4638,7 +4638,7 @@
                   </a:tcPr>
                 </a:tc>
               </a:tr>
-              <a:tr h="329184">
+              <a:tr h="320040">
                 <a:tc>
                   <a:txBody>
                     <a:bodyPr/>
@@ -4844,7 +4844,7 @@
                   </a:tcPr>
                 </a:tc>
               </a:tr>
-              <a:tr h="329184">
+              <a:tr h="320040">
                 <a:tc>
                   <a:txBody>
                     <a:bodyPr/>
@@ -5050,7 +5050,7 @@
                   </a:tcPr>
                 </a:tc>
               </a:tr>
-              <a:tr h="329184">
+              <a:tr h="320040">
                 <a:tc>
                   <a:txBody>
                     <a:bodyPr/>
@@ -5256,7 +5256,7 @@
                   </a:tcPr>
                 </a:tc>
               </a:tr>
-              <a:tr h="329184">
+              <a:tr h="320040">
                 <a:tc>
                   <a:txBody>
                     <a:bodyPr/>
@@ -5462,7 +5462,7 @@
                   </a:tcPr>
                 </a:tc>
               </a:tr>
-              <a:tr h="329184">
+              <a:tr h="320040">
                 <a:tc>
                   <a:txBody>
                     <a:bodyPr/>
@@ -5668,7 +5668,7 @@
                   </a:tcPr>
                 </a:tc>
               </a:tr>
-              <a:tr h="329184">
+              <a:tr h="320040">
                 <a:tc>
                   <a:txBody>
                     <a:bodyPr/>
@@ -5874,7 +5874,7 @@
                   </a:tcPr>
                 </a:tc>
               </a:tr>
-              <a:tr h="329184">
+              <a:tr h="320040">
                 <a:tc>
                   <a:txBody>
                     <a:bodyPr/>
@@ -6080,7 +6080,7 @@
                   </a:tcPr>
                 </a:tc>
               </a:tr>
-              <a:tr h="329184">
+              <a:tr h="320040">
                 <a:tc>
                   <a:txBody>
                     <a:bodyPr/>
@@ -6450,8 +6450,8 @@
         </p:nvSpPr>
         <p:spPr>
           <a:xfrm>
-            <a:off x="548640" y="1554480"/>
-            <a:ext cx="8046720" cy="1188720"/>
+            <a:off x="548640" y="1463040"/>
+            <a:ext cx="8046720" cy="822960"/>
           </a:xfrm>
           <a:prstGeom prst="rect">
             <a:avLst/>
@@ -6469,7 +6469,7 @@
               </a:lnSpc>
             </a:pPr>
             <a:r>
-              <a:rPr lang="en-US" sz="1800" dirty="0">
+              <a:rPr lang="en-US" sz="1400" dirty="0">
                 <a:solidFill>
                   <a:srgbClr val="2C2C2C"/>
                 </a:solidFill>
@@ -6479,7 +6479,7 @@
               </a:rPr>
               <a:t>Go to the "Actions" tab in your repository</a:t>
             </a:r>
-            <a:endParaRPr lang="en-US" sz="1800" dirty="0"/>
+            <a:endParaRPr lang="en-US" sz="1400" dirty="0"/>
           </a:p>
           <a:p>
             <a:pPr>
@@ -6488,7 +6488,7 @@
               </a:lnSpc>
             </a:pPr>
             <a:r>
-              <a:rPr lang="en-US" sz="1800" dirty="0">
+              <a:rPr lang="en-US" sz="1400" dirty="0">
                 <a:solidFill>
                   <a:srgbClr val="2C2C2C"/>
                 </a:solidFill>
@@ -6498,7 +6498,7 @@
               </a:rPr>
               <a:t>You’ll see a list of workflow runs</a:t>
             </a:r>
-            <a:endParaRPr lang="en-US" sz="1800" dirty="0"/>
+            <a:endParaRPr lang="en-US" sz="1400" dirty="0"/>
           </a:p>
           <a:p>
             <a:pPr>
@@ -6507,7 +6507,7 @@
               </a:lnSpc>
             </a:pPr>
             <a:r>
-              <a:rPr lang="en-US" sz="1800" dirty="0">
+              <a:rPr lang="en-US" sz="1400" dirty="0">
                 <a:solidFill>
                   <a:srgbClr val="2C2C2C"/>
                 </a:solidFill>
@@ -6517,7 +6517,7 @@
               </a:rPr>
               <a:t>Look for the status icon:</a:t>
             </a:r>
-            <a:endParaRPr lang="en-US" sz="1800" dirty="0"/>
+            <a:endParaRPr lang="en-US" sz="1400" dirty="0"/>
           </a:p>
         </p:txBody>
       </p:sp>
@@ -6529,8 +6529,8 @@
         </p:nvSpPr>
         <p:spPr>
           <a:xfrm>
-            <a:off x="1097280" y="2743200"/>
-            <a:ext cx="6949440" cy="1280160"/>
+            <a:off x="1097280" y="2286000"/>
+            <a:ext cx="6949440" cy="1188720"/>
           </a:xfrm>
           <a:prstGeom prst="rect">
             <a:avLst/>
@@ -6548,7 +6548,7 @@
               </a:lnSpc>
             </a:pPr>
             <a:r>
-              <a:rPr lang="en-US" sz="1800" dirty="0">
+              <a:rPr lang="en-US" sz="1400" dirty="0">
                 <a:solidFill>
                   <a:srgbClr val="2C2C2C"/>
                 </a:solidFill>
@@ -6558,7 +6558,7 @@
               </a:rPr>
               <a:t>✅  Green checkmark = Success (the task completed)</a:t>
             </a:r>
-            <a:endParaRPr lang="en-US" sz="1800" dirty="0"/>
+            <a:endParaRPr lang="en-US" sz="1400" dirty="0"/>
           </a:p>
           <a:p>
             <a:pPr>
@@ -6567,7 +6567,7 @@
               </a:lnSpc>
             </a:pPr>
             <a:r>
-              <a:rPr lang="en-US" sz="1800" dirty="0">
+              <a:rPr lang="en-US" sz="1400" dirty="0">
                 <a:solidFill>
                   <a:srgbClr val="2C2C2C"/>
                 </a:solidFill>
@@ -6577,7 +6577,7 @@
               </a:rPr>
               <a:t>❌  Red X = Failed (something went wrong)</a:t>
             </a:r>
-            <a:endParaRPr lang="en-US" sz="1800" dirty="0"/>
+            <a:endParaRPr lang="en-US" sz="1400" dirty="0"/>
           </a:p>
           <a:p>
             <a:pPr>
@@ -6586,7 +6586,7 @@
               </a:lnSpc>
             </a:pPr>
             <a:r>
-              <a:rPr lang="en-US" sz="1800" dirty="0">
+              <a:rPr lang="en-US" sz="1400" dirty="0">
                 <a:solidFill>
                   <a:srgbClr val="2C2C2C"/>
                 </a:solidFill>
@@ -6596,7 +6596,7 @@
               </a:rPr>
               <a:t>🟡  Yellow circle = In progress (still running)</a:t>
             </a:r>
-            <a:endParaRPr lang="en-US" sz="1800" dirty="0"/>
+            <a:endParaRPr lang="en-US" sz="1400" dirty="0"/>
           </a:p>
           <a:p>
             <a:pPr>
@@ -6605,7 +6605,7 @@
               </a:lnSpc>
             </a:pPr>
             <a:r>
-              <a:rPr lang="en-US" sz="1800" dirty="0">
+              <a:rPr lang="en-US" sz="1400" dirty="0">
                 <a:solidFill>
                   <a:srgbClr val="2C2C2C"/>
                 </a:solidFill>
@@ -6615,7 +6615,7 @@
               </a:rPr>
               <a:t>Click on a run to see the details and log</a:t>
             </a:r>
-            <a:endParaRPr lang="en-US" sz="1800" dirty="0"/>
+            <a:endParaRPr lang="en-US" sz="1400" dirty="0"/>
           </a:p>
         </p:txBody>
       </p:sp>
@@ -6627,7 +6627,7 @@
         </p:nvSpPr>
         <p:spPr>
           <a:xfrm>
-            <a:off x="548640" y="3931920"/>
+            <a:off x="548640" y="3657600"/>
             <a:ext cx="8046720" cy="457200"/>
           </a:xfrm>
           <a:prstGeom prst="rect">
@@ -6647,7 +6647,7 @@
               <a:buNone/>
             </a:pPr>
             <a:r>
-              <a:rPr lang="en-US" sz="1800" i="1" dirty="0">
+              <a:rPr lang="en-US" sz="1400" i="1" dirty="0">
                 <a:solidFill>
                   <a:srgbClr val="1E5128"/>
                 </a:solidFill>
@@ -6657,7 +6657,7 @@
               </a:rPr>
               <a:t>Think of it like checking your alarm clock history — did it go off? Did you hear it?</a:t>
             </a:r>
-            <a:endParaRPr lang="en-US" sz="1800" dirty="0"/>
+            <a:endParaRPr lang="en-US" sz="1400" dirty="0"/>
           </a:p>
         </p:txBody>
       </p:sp>
@@ -8551,6 +8551,222 @@
         <p:spPr>
           <a:xfrm>
             <a:off x="548640" y="1097280"/>
+            <a:ext cx="8046720" cy="320040"/>
+          </a:xfrm>
+          <a:prstGeom prst="rect">
+            <a:avLst/>
+          </a:prstGeom>
+          <a:noFill/>
+          <a:ln/>
+        </p:spPr>
+        <p:txBody>
+          <a:bodyPr wrap="square" rtlCol="0" anchor="t"/>
+          <a:lstStyle/>
+          <a:p>
+            <a:pPr indent="0" marL="0">
+              <a:lnSpc>
+                <a:spcPct val="130000"/>
+              </a:lnSpc>
+              <a:buNone/>
+            </a:pPr>
+            <a:r>
+              <a:rPr lang="en-US" sz="1800" b="1" dirty="0">
+                <a:solidFill>
+                  <a:srgbClr val="4E9F3D"/>
+                </a:solidFill>
+                <a:latin typeface="Arial" pitchFamily="34" charset="0"/>
+                <a:ea typeface="Arial" pitchFamily="34" charset="-122"/>
+                <a:cs typeface="Arial" pitchFamily="34" charset="-120"/>
+              </a:rPr>
+              <a:t>Watch me build an automated reminder from scratch.</a:t>
+            </a:r>
+            <a:endParaRPr lang="en-US" sz="1800" dirty="0"/>
+          </a:p>
+        </p:txBody>
+      </p:sp>
+      <p:sp>
+        <p:nvSpPr>
+          <p:cNvPr id="5" name="Text 3"/>
+          <p:cNvSpPr/>
+          <p:nvPr/>
+        </p:nvSpPr>
+        <p:spPr>
+          <a:xfrm>
+            <a:off x="548640" y="1463040"/>
+            <a:ext cx="8046720" cy="2560320"/>
+          </a:xfrm>
+          <a:prstGeom prst="rect">
+            <a:avLst/>
+          </a:prstGeom>
+          <a:noFill/>
+          <a:ln/>
+        </p:spPr>
+        <p:txBody>
+          <a:bodyPr wrap="square" rtlCol="0" anchor="t"/>
+          <a:lstStyle/>
+          <a:p>
+            <a:pPr>
+              <a:lnSpc>
+                <a:spcPct val="130000"/>
+              </a:lnSpc>
+            </a:pPr>
+            <a:r>
+              <a:rPr lang="en-US" sz="1300" dirty="0">
+                <a:solidFill>
+                  <a:srgbClr val="2C2C2C"/>
+                </a:solidFill>
+                <a:latin typeface="Arial" pitchFamily="34" charset="0"/>
+                <a:ea typeface="Arial" pitchFamily="34" charset="-122"/>
+                <a:cs typeface="Arial" pitchFamily="34" charset="-120"/>
+              </a:rPr>
+              <a:t>Go to my demo repository</a:t>
+            </a:r>
+            <a:endParaRPr lang="en-US" sz="1300" dirty="0"/>
+          </a:p>
+          <a:p>
+            <a:pPr>
+              <a:lnSpc>
+                <a:spcPct val="130000"/>
+              </a:lnSpc>
+            </a:pPr>
+            <a:r>
+              <a:rPr lang="en-US" sz="1300" dirty="0">
+                <a:solidFill>
+                  <a:srgbClr val="2C2C2C"/>
+                </a:solidFill>
+                <a:latin typeface="Arial" pitchFamily="34" charset="0"/>
+                <a:ea typeface="Arial" pitchFamily="34" charset="-122"/>
+                <a:cs typeface="Arial" pitchFamily="34" charset="-120"/>
+              </a:rPr>
+              <a:t>Click the Actions tab</a:t>
+            </a:r>
+            <a:endParaRPr lang="en-US" sz="1300" dirty="0"/>
+          </a:p>
+          <a:p>
+            <a:pPr>
+              <a:lnSpc>
+                <a:spcPct val="130000"/>
+              </a:lnSpc>
+            </a:pPr>
+            <a:r>
+              <a:rPr lang="en-US" sz="1300" dirty="0">
+                <a:solidFill>
+                  <a:srgbClr val="2C2C2C"/>
+                </a:solidFill>
+                <a:latin typeface="Arial" pitchFamily="34" charset="0"/>
+                <a:ea typeface="Arial" pitchFamily="34" charset="-122"/>
+                <a:cs typeface="Arial" pitchFamily="34" charset="-120"/>
+              </a:rPr>
+              <a:t>Choose "set up a workflow yourself"</a:t>
+            </a:r>
+            <a:endParaRPr lang="en-US" sz="1300" dirty="0"/>
+          </a:p>
+          <a:p>
+            <a:pPr>
+              <a:lnSpc>
+                <a:spcPct val="130000"/>
+              </a:lnSpc>
+            </a:pPr>
+            <a:r>
+              <a:rPr lang="en-US" sz="1300" dirty="0">
+                <a:solidFill>
+                  <a:srgbClr val="2C2C2C"/>
+                </a:solidFill>
+                <a:latin typeface="Arial" pitchFamily="34" charset="0"/>
+                <a:ea typeface="Arial" pitchFamily="34" charset="-122"/>
+                <a:cs typeface="Arial" pitchFamily="34" charset="-120"/>
+              </a:rPr>
+              <a:t>Paste the Weekly Equipment Check workflow</a:t>
+            </a:r>
+            <a:endParaRPr lang="en-US" sz="1300" dirty="0"/>
+          </a:p>
+          <a:p>
+            <a:pPr>
+              <a:lnSpc>
+                <a:spcPct val="130000"/>
+              </a:lnSpc>
+            </a:pPr>
+            <a:r>
+              <a:rPr lang="en-US" sz="1300" dirty="0">
+                <a:solidFill>
+                  <a:srgbClr val="2C2C2C"/>
+                </a:solidFill>
+                <a:latin typeface="Arial" pitchFamily="34" charset="0"/>
+                <a:ea typeface="Arial" pitchFamily="34" charset="-122"/>
+                <a:cs typeface="Arial" pitchFamily="34" charset="-120"/>
+              </a:rPr>
+              <a:t>Commit the file</a:t>
+            </a:r>
+            <a:endParaRPr lang="en-US" sz="1300" dirty="0"/>
+          </a:p>
+          <a:p>
+            <a:pPr>
+              <a:lnSpc>
+                <a:spcPct val="130000"/>
+              </a:lnSpc>
+            </a:pPr>
+            <a:r>
+              <a:rPr lang="en-US" sz="1300" dirty="0">
+                <a:solidFill>
+                  <a:srgbClr val="2C2C2C"/>
+                </a:solidFill>
+                <a:latin typeface="Arial" pitchFamily="34" charset="0"/>
+                <a:ea typeface="Arial" pitchFamily="34" charset="-122"/>
+                <a:cs typeface="Arial" pitchFamily="34" charset="-120"/>
+              </a:rPr>
+              <a:t>Trigger it manually to test</a:t>
+            </a:r>
+            <a:endParaRPr lang="en-US" sz="1300" dirty="0"/>
+          </a:p>
+          <a:p>
+            <a:pPr>
+              <a:lnSpc>
+                <a:spcPct val="130000"/>
+              </a:lnSpc>
+            </a:pPr>
+            <a:r>
+              <a:rPr lang="en-US" sz="1300" dirty="0">
+                <a:solidFill>
+                  <a:srgbClr val="2C2C2C"/>
+                </a:solidFill>
+                <a:latin typeface="Arial" pitchFamily="34" charset="0"/>
+                <a:ea typeface="Arial" pitchFamily="34" charset="-122"/>
+                <a:cs typeface="Arial" pitchFamily="34" charset="-120"/>
+              </a:rPr>
+              <a:t>Check the Actions tab for the green checkmark</a:t>
+            </a:r>
+            <a:endParaRPr lang="en-US" sz="1300" dirty="0"/>
+          </a:p>
+          <a:p>
+            <a:pPr>
+              <a:lnSpc>
+                <a:spcPct val="130000"/>
+              </a:lnSpc>
+            </a:pPr>
+            <a:r>
+              <a:rPr lang="en-US" sz="1300" dirty="0">
+                <a:solidFill>
+                  <a:srgbClr val="2C2C2C"/>
+                </a:solidFill>
+                <a:latin typeface="Arial" pitchFamily="34" charset="0"/>
+                <a:ea typeface="Arial" pitchFamily="34" charset="-122"/>
+                <a:cs typeface="Arial" pitchFamily="34" charset="-120"/>
+              </a:rPr>
+              <a:t>Open the Issue it created</a:t>
+            </a:r>
+            <a:endParaRPr lang="en-US" sz="1300" dirty="0"/>
+          </a:p>
+        </p:txBody>
+      </p:sp>
+      <p:sp>
+        <p:nvSpPr>
+          <p:cNvPr id="6" name="Text 4"/>
+          <p:cNvSpPr/>
+          <p:nvPr/>
+        </p:nvSpPr>
+        <p:spPr>
+          <a:xfrm>
+            <a:off x="548640" y="4114800"/>
             <a:ext cx="8046720" cy="365760"/>
           </a:xfrm>
           <a:prstGeom prst="rect">
@@ -8570,223 +8786,7 @@
               <a:buNone/>
             </a:pPr>
             <a:r>
-              <a:rPr lang="en-US" sz="2000" b="1" dirty="0">
-                <a:solidFill>
-                  <a:srgbClr val="4E9F3D"/>
-                </a:solidFill>
-                <a:latin typeface="Arial" pitchFamily="34" charset="0"/>
-                <a:ea typeface="Arial" pitchFamily="34" charset="-122"/>
-                <a:cs typeface="Arial" pitchFamily="34" charset="-120"/>
-              </a:rPr>
-              <a:t>Watch me build an automated reminder from scratch.</a:t>
-            </a:r>
-            <a:endParaRPr lang="en-US" sz="2000" dirty="0"/>
-          </a:p>
-        </p:txBody>
-      </p:sp>
-      <p:sp>
-        <p:nvSpPr>
-          <p:cNvPr id="5" name="Text 3"/>
-          <p:cNvSpPr/>
-          <p:nvPr/>
-        </p:nvSpPr>
-        <p:spPr>
-          <a:xfrm>
-            <a:off x="548640" y="1645920"/>
-            <a:ext cx="8046720" cy="2560320"/>
-          </a:xfrm>
-          <a:prstGeom prst="rect">
-            <a:avLst/>
-          </a:prstGeom>
-          <a:noFill/>
-          <a:ln/>
-        </p:spPr>
-        <p:txBody>
-          <a:bodyPr wrap="square" rtlCol="0" anchor="t"/>
-          <a:lstStyle/>
-          <a:p>
-            <a:pPr>
-              <a:lnSpc>
-                <a:spcPct val="130000"/>
-              </a:lnSpc>
-            </a:pPr>
-            <a:r>
-              <a:rPr lang="en-US" sz="1800" dirty="0">
-                <a:solidFill>
-                  <a:srgbClr val="2C2C2C"/>
-                </a:solidFill>
-                <a:latin typeface="Arial" pitchFamily="34" charset="0"/>
-                <a:ea typeface="Arial" pitchFamily="34" charset="-122"/>
-                <a:cs typeface="Arial" pitchFamily="34" charset="-120"/>
-              </a:rPr>
-              <a:t>Go to my demo repository</a:t>
-            </a:r>
-            <a:endParaRPr lang="en-US" sz="1800" dirty="0"/>
-          </a:p>
-          <a:p>
-            <a:pPr>
-              <a:lnSpc>
-                <a:spcPct val="130000"/>
-              </a:lnSpc>
-            </a:pPr>
-            <a:r>
-              <a:rPr lang="en-US" sz="1800" dirty="0">
-                <a:solidFill>
-                  <a:srgbClr val="2C2C2C"/>
-                </a:solidFill>
-                <a:latin typeface="Arial" pitchFamily="34" charset="0"/>
-                <a:ea typeface="Arial" pitchFamily="34" charset="-122"/>
-                <a:cs typeface="Arial" pitchFamily="34" charset="-120"/>
-              </a:rPr>
-              <a:t>Click the Actions tab</a:t>
-            </a:r>
-            <a:endParaRPr lang="en-US" sz="1800" dirty="0"/>
-          </a:p>
-          <a:p>
-            <a:pPr>
-              <a:lnSpc>
-                <a:spcPct val="130000"/>
-              </a:lnSpc>
-            </a:pPr>
-            <a:r>
-              <a:rPr lang="en-US" sz="1800" dirty="0">
-                <a:solidFill>
-                  <a:srgbClr val="2C2C2C"/>
-                </a:solidFill>
-                <a:latin typeface="Arial" pitchFamily="34" charset="0"/>
-                <a:ea typeface="Arial" pitchFamily="34" charset="-122"/>
-                <a:cs typeface="Arial" pitchFamily="34" charset="-120"/>
-              </a:rPr>
-              <a:t>Choose "set up a workflow yourself"</a:t>
-            </a:r>
-            <a:endParaRPr lang="en-US" sz="1800" dirty="0"/>
-          </a:p>
-          <a:p>
-            <a:pPr>
-              <a:lnSpc>
-                <a:spcPct val="130000"/>
-              </a:lnSpc>
-            </a:pPr>
-            <a:r>
-              <a:rPr lang="en-US" sz="1800" dirty="0">
-                <a:solidFill>
-                  <a:srgbClr val="2C2C2C"/>
-                </a:solidFill>
-                <a:latin typeface="Arial" pitchFamily="34" charset="0"/>
-                <a:ea typeface="Arial" pitchFamily="34" charset="-122"/>
-                <a:cs typeface="Arial" pitchFamily="34" charset="-120"/>
-              </a:rPr>
-              <a:t>Paste the Weekly Equipment Check workflow</a:t>
-            </a:r>
-            <a:endParaRPr lang="en-US" sz="1800" dirty="0"/>
-          </a:p>
-          <a:p>
-            <a:pPr>
-              <a:lnSpc>
-                <a:spcPct val="130000"/>
-              </a:lnSpc>
-            </a:pPr>
-            <a:r>
-              <a:rPr lang="en-US" sz="1800" dirty="0">
-                <a:solidFill>
-                  <a:srgbClr val="2C2C2C"/>
-                </a:solidFill>
-                <a:latin typeface="Arial" pitchFamily="34" charset="0"/>
-                <a:ea typeface="Arial" pitchFamily="34" charset="-122"/>
-                <a:cs typeface="Arial" pitchFamily="34" charset="-120"/>
-              </a:rPr>
-              <a:t>Commit the file</a:t>
-            </a:r>
-            <a:endParaRPr lang="en-US" sz="1800" dirty="0"/>
-          </a:p>
-          <a:p>
-            <a:pPr>
-              <a:lnSpc>
-                <a:spcPct val="130000"/>
-              </a:lnSpc>
-            </a:pPr>
-            <a:r>
-              <a:rPr lang="en-US" sz="1800" dirty="0">
-                <a:solidFill>
-                  <a:srgbClr val="2C2C2C"/>
-                </a:solidFill>
-                <a:latin typeface="Arial" pitchFamily="34" charset="0"/>
-                <a:ea typeface="Arial" pitchFamily="34" charset="-122"/>
-                <a:cs typeface="Arial" pitchFamily="34" charset="-120"/>
-              </a:rPr>
-              <a:t>Trigger it manually to test</a:t>
-            </a:r>
-            <a:endParaRPr lang="en-US" sz="1800" dirty="0"/>
-          </a:p>
-          <a:p>
-            <a:pPr>
-              <a:lnSpc>
-                <a:spcPct val="130000"/>
-              </a:lnSpc>
-            </a:pPr>
-            <a:r>
-              <a:rPr lang="en-US" sz="1800" dirty="0">
-                <a:solidFill>
-                  <a:srgbClr val="2C2C2C"/>
-                </a:solidFill>
-                <a:latin typeface="Arial" pitchFamily="34" charset="0"/>
-                <a:ea typeface="Arial" pitchFamily="34" charset="-122"/>
-                <a:cs typeface="Arial" pitchFamily="34" charset="-120"/>
-              </a:rPr>
-              <a:t>Check the Actions tab for the green checkmark</a:t>
-            </a:r>
-            <a:endParaRPr lang="en-US" sz="1800" dirty="0"/>
-          </a:p>
-          <a:p>
-            <a:pPr>
-              <a:lnSpc>
-                <a:spcPct val="130000"/>
-              </a:lnSpc>
-            </a:pPr>
-            <a:r>
-              <a:rPr lang="en-US" sz="1800" dirty="0">
-                <a:solidFill>
-                  <a:srgbClr val="2C2C2C"/>
-                </a:solidFill>
-                <a:latin typeface="Arial" pitchFamily="34" charset="0"/>
-                <a:ea typeface="Arial" pitchFamily="34" charset="-122"/>
-                <a:cs typeface="Arial" pitchFamily="34" charset="-120"/>
-              </a:rPr>
-              <a:t>Open the Issue it created</a:t>
-            </a:r>
-            <a:endParaRPr lang="en-US" sz="1800" dirty="0"/>
-          </a:p>
-        </p:txBody>
-      </p:sp>
-      <p:sp>
-        <p:nvSpPr>
-          <p:cNvPr id="6" name="Text 4"/>
-          <p:cNvSpPr/>
-          <p:nvPr/>
-        </p:nvSpPr>
-        <p:spPr>
-          <a:xfrm>
-            <a:off x="548640" y="3931920"/>
-            <a:ext cx="8046720" cy="457200"/>
-          </a:xfrm>
-          <a:prstGeom prst="rect">
-            <a:avLst/>
-          </a:prstGeom>
-          <a:noFill/>
-          <a:ln/>
-        </p:spPr>
-        <p:txBody>
-          <a:bodyPr wrap="square" rtlCol="0" anchor="t"/>
-          <a:lstStyle/>
-          <a:p>
-            <a:pPr indent="0" marL="0">
-              <a:lnSpc>
-                <a:spcPct val="130000"/>
-              </a:lnSpc>
-              <a:buNone/>
-            </a:pPr>
-            <a:r>
-              <a:rPr lang="en-US" sz="1800" b="1" dirty="0">
+              <a:rPr lang="en-US" sz="1400" b="1" dirty="0">
                 <a:solidFill>
                   <a:srgbClr val="1E5128"/>
                 </a:solidFill>
@@ -8796,7 +8796,7 @@
               </a:rPr>
               <a:t>Just watch for now — you’ll build your own next.</a:t>
             </a:r>
-            <a:endParaRPr lang="en-US" sz="1800" dirty="0"/>
+            <a:endParaRPr lang="en-US" sz="1400" dirty="0"/>
           </a:p>
         </p:txBody>
       </p:sp>
@@ -8919,7 +8919,7 @@
         <p:spPr>
           <a:xfrm>
             <a:off x="548640" y="1097280"/>
-            <a:ext cx="8046720" cy="365760"/>
+            <a:ext cx="8046720" cy="320040"/>
           </a:xfrm>
           <a:prstGeom prst="rect">
             <a:avLst/>
@@ -8938,7 +8938,7 @@
               <a:buNone/>
             </a:pPr>
             <a:r>
-              <a:rPr lang="en-US" sz="2000" b="1" dirty="0">
+              <a:rPr lang="en-US" sz="1800" b="1" dirty="0">
                 <a:solidFill>
                   <a:srgbClr val="4E9F3D"/>
                 </a:solidFill>
@@ -8948,7 +8948,7 @@
               </a:rPr>
               <a:t>Pro tip: Add workflow_dispatch so you can test anytime.</a:t>
             </a:r>
-            <a:endParaRPr lang="en-US" sz="2000" dirty="0"/>
+            <a:endParaRPr lang="en-US" sz="1800" dirty="0"/>
           </a:p>
         </p:txBody>
       </p:sp>
@@ -8960,12 +8960,12 @@
         </p:nvSpPr>
         <p:spPr>
           <a:xfrm>
-            <a:off x="548640" y="1645920"/>
-            <a:ext cx="8046720" cy="1463040"/>
+            <a:off x="548640" y="1463040"/>
+            <a:ext cx="8046720" cy="1280160"/>
           </a:xfrm>
           <a:prstGeom prst="rect">
             <a:avLst>
-              <a:gd name="adj" fmla="val 6250"/>
+              <a:gd name="adj" fmla="val 7143"/>
             </a:avLst>
           </a:prstGeom>
           <a:solidFill>
@@ -8982,8 +8982,8 @@
         </p:nvSpPr>
         <p:spPr>
           <a:xfrm>
-            <a:off x="731520" y="1783080"/>
-            <a:ext cx="7680960" cy="1188720"/>
+            <a:off x="731520" y="1600200"/>
+            <a:ext cx="7680960" cy="1005840"/>
           </a:xfrm>
           <a:prstGeom prst="rect">
             <a:avLst/>
@@ -9002,7 +9002,7 @@
               <a:buNone/>
             </a:pPr>
             <a:r>
-              <a:rPr lang="en-US" sz="1600" dirty="0">
+              <a:rPr lang="en-US" sz="1400" dirty="0">
                 <a:solidFill>
                   <a:srgbClr val="D4D4D4"/>
                 </a:solidFill>
@@ -9012,7 +9012,7 @@
               </a:rPr>
               <a:t>on:</a:t>
             </a:r>
-            <a:endParaRPr lang="en-US" sz="1600" dirty="0"/>
+            <a:endParaRPr lang="en-US" sz="1400" dirty="0"/>
           </a:p>
           <a:p>
             <a:pPr indent="0" marL="0">
@@ -9022,7 +9022,7 @@
               <a:buNone/>
             </a:pPr>
             <a:r>
-              <a:rPr lang="en-US" sz="1600" dirty="0">
+              <a:rPr lang="en-US" sz="1400" dirty="0">
                 <a:solidFill>
                   <a:srgbClr val="D4D4D4"/>
                 </a:solidFill>
@@ -9032,7 +9032,7 @@
               </a:rPr>
               <a:t>  schedule:</a:t>
             </a:r>
-            <a:endParaRPr lang="en-US" sz="1600" dirty="0"/>
+            <a:endParaRPr lang="en-US" sz="1400" dirty="0"/>
           </a:p>
           <a:p>
             <a:pPr indent="0" marL="0">
@@ -9042,7 +9042,7 @@
               <a:buNone/>
             </a:pPr>
             <a:r>
-              <a:rPr lang="en-US" sz="1600" dirty="0">
+              <a:rPr lang="en-US" sz="1400" dirty="0">
                 <a:solidFill>
                   <a:srgbClr val="D4D4D4"/>
                 </a:solidFill>
@@ -9052,7 +9052,7 @@
               </a:rPr>
               <a:t>    - cron: '0 13 * * 1'</a:t>
             </a:r>
-            <a:endParaRPr lang="en-US" sz="1600" dirty="0"/>
+            <a:endParaRPr lang="en-US" sz="1400" dirty="0"/>
           </a:p>
           <a:p>
             <a:pPr indent="0" marL="0">
@@ -9062,7 +9062,7 @@
               <a:buNone/>
             </a:pPr>
             <a:r>
-              <a:rPr lang="en-US" sz="1600" dirty="0">
+              <a:rPr lang="en-US" sz="1400" dirty="0">
                 <a:solidFill>
                   <a:srgbClr val="D4D4D4"/>
                 </a:solidFill>
@@ -9072,7 +9072,7 @@
               </a:rPr>
               <a:t>  workflow_dispatch:</a:t>
             </a:r>
-            <a:endParaRPr lang="en-US" sz="1600" dirty="0"/>
+            <a:endParaRPr lang="en-US" sz="1400" dirty="0"/>
           </a:p>
         </p:txBody>
       </p:sp>
@@ -9084,8 +9084,8 @@
         </p:nvSpPr>
         <p:spPr>
           <a:xfrm>
-            <a:off x="548640" y="3291840"/>
-            <a:ext cx="8046720" cy="731520"/>
+            <a:off x="548640" y="2834640"/>
+            <a:ext cx="8046720" cy="640080"/>
           </a:xfrm>
           <a:prstGeom prst="rect">
             <a:avLst/>
@@ -9104,7 +9104,7 @@
               <a:buNone/>
             </a:pPr>
             <a:r>
-              <a:rPr lang="en-US" sz="1800" dirty="0">
+              <a:rPr lang="en-US" sz="1400" dirty="0">
                 <a:solidFill>
                   <a:srgbClr val="2C2C2C"/>
                 </a:solidFill>
@@ -9114,7 +9114,7 @@
               </a:rPr>
               <a:t>Adding workflow_dispatch means you can also click "Run workflow" in the Actions tab to test it immediately — instead of waiting until the scheduled time.</a:t>
             </a:r>
-            <a:endParaRPr lang="en-US" sz="1800" dirty="0"/>
+            <a:endParaRPr lang="en-US" sz="1400" dirty="0"/>
           </a:p>
         </p:txBody>
       </p:sp>
@@ -9126,8 +9126,8 @@
         </p:nvSpPr>
         <p:spPr>
           <a:xfrm>
-            <a:off x="548640" y="3931920"/>
-            <a:ext cx="8046720" cy="548640"/>
+            <a:off x="548640" y="3520440"/>
+            <a:ext cx="8046720" cy="457200"/>
           </a:xfrm>
           <a:prstGeom prst="rect">
             <a:avLst/>
@@ -9146,7 +9146,7 @@
               <a:buNone/>
             </a:pPr>
             <a:r>
-              <a:rPr lang="en-US" sz="1800" i="1" dirty="0">
+              <a:rPr lang="en-US" sz="1400" i="1" dirty="0">
                 <a:solidFill>
                   <a:srgbClr val="1E5128"/>
                 </a:solidFill>
@@ -9156,7 +9156,7 @@
               </a:rPr>
               <a:t>Think of it like adding a "Test" button to your alarm clock so you can make sure it works before Monday.</a:t>
             </a:r>
-            <a:endParaRPr lang="en-US" sz="1800" dirty="0"/>
+            <a:endParaRPr lang="en-US" sz="1400" dirty="0"/>
           </a:p>
         </p:txBody>
       </p:sp>
@@ -9279,7 +9279,7 @@
         <p:spPr>
           <a:xfrm>
             <a:off x="548640" y="1097280"/>
-            <a:ext cx="8046720" cy="365760"/>
+            <a:ext cx="8046720" cy="274320"/>
           </a:xfrm>
           <a:prstGeom prst="rect">
             <a:avLst/>
@@ -9298,7 +9298,7 @@
               <a:buNone/>
             </a:pPr>
             <a:r>
-              <a:rPr lang="en-US" sz="1800" b="1" dirty="0">
+              <a:rPr lang="en-US" sz="1400" b="1" dirty="0">
                 <a:solidFill>
                   <a:srgbClr val="2C2C2C"/>
                 </a:solidFill>
@@ -9308,7 +9308,7 @@
               </a:rPr>
               <a:t>We’ll work through this together, step by step:</a:t>
             </a:r>
-            <a:endParaRPr lang="en-US" sz="1800" dirty="0"/>
+            <a:endParaRPr lang="en-US" sz="1400" dirty="0"/>
           </a:p>
         </p:txBody>
       </p:sp>
@@ -9320,8 +9320,8 @@
         </p:nvSpPr>
         <p:spPr>
           <a:xfrm>
-            <a:off x="548640" y="1554480"/>
-            <a:ext cx="8046720" cy="2011680"/>
+            <a:off x="548640" y="1371600"/>
+            <a:ext cx="8046720" cy="1463040"/>
           </a:xfrm>
           <a:prstGeom prst="rect">
             <a:avLst/>
@@ -9339,7 +9339,7 @@
               </a:lnSpc>
             </a:pPr>
             <a:r>
-              <a:rPr lang="en-US" sz="1800" dirty="0">
+              <a:rPr lang="en-US" sz="1300" dirty="0">
                 <a:solidFill>
                   <a:srgbClr val="2C2C2C"/>
                 </a:solidFill>
@@ -9349,7 +9349,7 @@
               </a:rPr>
               <a:t>Open your farm repository</a:t>
             </a:r>
-            <a:endParaRPr lang="en-US" sz="1800" dirty="0"/>
+            <a:endParaRPr lang="en-US" sz="1300" dirty="0"/>
           </a:p>
           <a:p>
             <a:pPr>
@@ -9358,7 +9358,7 @@
               </a:lnSpc>
             </a:pPr>
             <a:r>
-              <a:rPr lang="en-US" sz="1800" dirty="0">
+              <a:rPr lang="en-US" sz="1300" dirty="0">
                 <a:solidFill>
                   <a:srgbClr val="2C2C2C"/>
                 </a:solidFill>
@@ -9368,7 +9368,7 @@
               </a:rPr>
               <a:t>Go to the Actions tab</a:t>
             </a:r>
-            <a:endParaRPr lang="en-US" sz="1800" dirty="0"/>
+            <a:endParaRPr lang="en-US" sz="1300" dirty="0"/>
           </a:p>
           <a:p>
             <a:pPr>
@@ -9377,7 +9377,7 @@
               </a:lnSpc>
             </a:pPr>
             <a:r>
-              <a:rPr lang="en-US" sz="1800" dirty="0">
+              <a:rPr lang="en-US" sz="1300" dirty="0">
                 <a:solidFill>
                   <a:srgbClr val="2C2C2C"/>
                 </a:solidFill>
@@ -9387,7 +9387,7 @@
               </a:rPr>
               <a:t>Create a new workflow file</a:t>
             </a:r>
-            <a:endParaRPr lang="en-US" sz="1800" dirty="0"/>
+            <a:endParaRPr lang="en-US" sz="1300" dirty="0"/>
           </a:p>
           <a:p>
             <a:pPr>
@@ -9396,7 +9396,7 @@
               </a:lnSpc>
             </a:pPr>
             <a:r>
-              <a:rPr lang="en-US" sz="1800" dirty="0">
+              <a:rPr lang="en-US" sz="1300" dirty="0">
                 <a:solidFill>
                   <a:srgbClr val="2C2C2C"/>
                 </a:solidFill>
@@ -9406,7 +9406,7 @@
               </a:rPr>
               <a:t>Paste the Weekly Equipment Check YAML</a:t>
             </a:r>
-            <a:endParaRPr lang="en-US" sz="1800" dirty="0"/>
+            <a:endParaRPr lang="en-US" sz="1300" dirty="0"/>
           </a:p>
           <a:p>
             <a:pPr>
@@ -9415,7 +9415,7 @@
               </a:lnSpc>
             </a:pPr>
             <a:r>
-              <a:rPr lang="en-US" sz="1800" dirty="0">
+              <a:rPr lang="en-US" sz="1300" dirty="0">
                 <a:solidFill>
                   <a:srgbClr val="2C2C2C"/>
                 </a:solidFill>
@@ -9425,7 +9425,7 @@
               </a:rPr>
               <a:t>Modify the schedule</a:t>
             </a:r>
-            <a:endParaRPr lang="en-US" sz="1800" dirty="0"/>
+            <a:endParaRPr lang="en-US" sz="1300" dirty="0"/>
           </a:p>
           <a:p>
             <a:pPr>
@@ -9434,7 +9434,7 @@
               </a:lnSpc>
             </a:pPr>
             <a:r>
-              <a:rPr lang="en-US" sz="1800" dirty="0">
+              <a:rPr lang="en-US" sz="1300" dirty="0">
                 <a:solidFill>
                   <a:srgbClr val="2C2C2C"/>
                 </a:solidFill>
@@ -9444,7 +9444,7 @@
               </a:rPr>
               <a:t>Commit and test it</a:t>
             </a:r>
-            <a:endParaRPr lang="en-US" sz="1800" dirty="0"/>
+            <a:endParaRPr lang="en-US" sz="1300" dirty="0"/>
           </a:p>
         </p:txBody>
       </p:sp>
@@ -9456,8 +9456,8 @@
         </p:nvSpPr>
         <p:spPr>
           <a:xfrm>
-            <a:off x="548640" y="3383280"/>
-            <a:ext cx="8046720" cy="365760"/>
+            <a:off x="548640" y="2880360"/>
+            <a:ext cx="8046720" cy="274320"/>
           </a:xfrm>
           <a:prstGeom prst="rect">
             <a:avLst/>
@@ -9476,7 +9476,7 @@
               <a:buNone/>
             </a:pPr>
             <a:r>
-              <a:rPr lang="en-US" sz="1800" b="1" dirty="0">
+              <a:rPr lang="en-US" sz="1400" b="1" dirty="0">
                 <a:solidFill>
                   <a:srgbClr val="1E5128"/>
                 </a:solidFill>
@@ -9486,7 +9486,7 @@
               </a:rPr>
               <a:t>Open your lab exercise handout to Part 1.</a:t>
             </a:r>
-            <a:endParaRPr lang="en-US" sz="1800" dirty="0"/>
+            <a:endParaRPr lang="en-US" sz="1400" dirty="0"/>
           </a:p>
         </p:txBody>
       </p:sp>
@@ -9498,8 +9498,8 @@
         </p:nvSpPr>
         <p:spPr>
           <a:xfrm>
-            <a:off x="548640" y="3749040"/>
-            <a:ext cx="8046720" cy="365760"/>
+            <a:off x="548640" y="3200400"/>
+            <a:ext cx="8046720" cy="320040"/>
           </a:xfrm>
           <a:prstGeom prst="rect">
             <a:avLst/>
@@ -9518,7 +9518,7 @@
               <a:buNone/>
             </a:pPr>
             <a:r>
-              <a:rPr lang="en-US" sz="1600" dirty="0">
+              <a:rPr lang="en-US" sz="1200" dirty="0">
                 <a:solidFill>
                   <a:srgbClr val="2C2C2C"/>
                 </a:solidFill>
@@ -9528,7 +9528,7 @@
               </a:rPr>
               <a:t>If you get stuck: (1) Check the quick-reference guide, (2) Ask your partner, (3) Raise your hand.</a:t>
             </a:r>
-            <a:endParaRPr lang="en-US" sz="1600" dirty="0"/>
+            <a:endParaRPr lang="en-US" sz="1200" dirty="0"/>
           </a:p>
         </p:txBody>
       </p:sp>
@@ -9540,8 +9540,8 @@
         </p:nvSpPr>
         <p:spPr>
           <a:xfrm>
-            <a:off x="548640" y="4114800"/>
-            <a:ext cx="8046720" cy="365760"/>
+            <a:off x="548640" y="3566160"/>
+            <a:ext cx="8046720" cy="320040"/>
           </a:xfrm>
           <a:prstGeom prst="rect">
             <a:avLst/>
@@ -9560,7 +9560,7 @@
               <a:buNone/>
             </a:pPr>
             <a:r>
-              <a:rPr lang="en-US" sz="1800" b="1" i="1" dirty="0">
+              <a:rPr lang="en-US" sz="1300" b="1" i="1" dirty="0">
                 <a:solidFill>
                   <a:srgbClr val="4E9F3D"/>
                 </a:solidFill>
@@ -9570,7 +9570,7 @@
               </a:rPr>
               <a:t>You can’t break anything. If something goes wrong, we’ll fix it together.</a:t>
             </a:r>
-            <a:endParaRPr lang="en-US" sz="1800" dirty="0"/>
+            <a:endParaRPr lang="en-US" sz="1300" dirty="0"/>
           </a:p>
         </p:txBody>
       </p:sp>
@@ -9731,8 +9731,8 @@
         </p:nvSpPr>
         <p:spPr>
           <a:xfrm>
-            <a:off x="914400" y="3108960"/>
-            <a:ext cx="7315200" cy="1645920"/>
+            <a:off x="914400" y="2926080"/>
+            <a:ext cx="7315200" cy="1371600"/>
           </a:xfrm>
           <a:prstGeom prst="rect">
             <a:avLst/>
@@ -9746,12 +9746,12 @@
           <a:p>
             <a:pPr algn="ctr" indent="0" marL="0">
               <a:lnSpc>
-                <a:spcPct val="130000"/>
+                <a:spcPct val="110000"/>
               </a:lnSpc>
               <a:buNone/>
             </a:pPr>
             <a:r>
-              <a:rPr lang="en-US" sz="1800" dirty="0">
+              <a:rPr lang="en-US" sz="1200" dirty="0">
                 <a:solidFill>
                   <a:srgbClr val="F4F1DE"/>
                 </a:solidFill>
@@ -9761,26 +9761,26 @@
               </a:rPr>
               <a:t>When we come back, you’ll create your own automated farm workflow from scratch!</a:t>
             </a:r>
-            <a:endParaRPr lang="en-US" sz="1800" dirty="0"/>
+            <a:endParaRPr lang="en-US" sz="1200" dirty="0"/>
           </a:p>
           <a:p>
             <a:pPr algn="ctr" indent="0" marL="0">
               <a:lnSpc>
-                <a:spcPct val="130000"/>
+                <a:spcPct val="110000"/>
               </a:lnSpc>
               <a:buNone/>
             </a:pPr>
-            <a:endParaRPr lang="en-US" sz="1800" dirty="0"/>
+            <a:endParaRPr lang="en-US" sz="1200" dirty="0"/>
           </a:p>
           <a:p>
             <a:pPr algn="ctr" indent="0" marL="0">
               <a:lnSpc>
-                <a:spcPct val="130000"/>
+                <a:spcPct val="110000"/>
               </a:lnSpc>
               <a:buNone/>
             </a:pPr>
             <a:r>
-              <a:rPr lang="en-US" sz="1800" dirty="0">
+              <a:rPr lang="en-US" sz="1200" dirty="0">
                 <a:solidFill>
                   <a:srgbClr val="F4F1DE"/>
                 </a:solidFill>
@@ -9790,17 +9790,17 @@
               </a:rPr>
               <a:t>Think about which scenario you want to try:</a:t>
             </a:r>
-            <a:endParaRPr lang="en-US" sz="1800" dirty="0"/>
+            <a:endParaRPr lang="en-US" sz="1200" dirty="0"/>
           </a:p>
           <a:p>
             <a:pPr algn="ctr" indent="0" marL="0">
               <a:lnSpc>
-                <a:spcPct val="130000"/>
+                <a:spcPct val="110000"/>
               </a:lnSpc>
               <a:buNone/>
             </a:pPr>
             <a:r>
-              <a:rPr lang="en-US" sz="1800" dirty="0">
+              <a:rPr lang="en-US" sz="1200" dirty="0">
                 <a:solidFill>
                   <a:srgbClr val="F4F1DE"/>
                 </a:solidFill>
@@ -9810,17 +9810,17 @@
               </a:rPr>
               <a:t>• Equipment: Weekly equipment check reminder</a:t>
             </a:r>
-            <a:endParaRPr lang="en-US" sz="1800" dirty="0"/>
+            <a:endParaRPr lang="en-US" sz="1200" dirty="0"/>
           </a:p>
           <a:p>
             <a:pPr algn="ctr" indent="0" marL="0">
               <a:lnSpc>
-                <a:spcPct val="130000"/>
+                <a:spcPct val="110000"/>
               </a:lnSpc>
               <a:buNone/>
             </a:pPr>
             <a:r>
-              <a:rPr lang="en-US" sz="1800" dirty="0">
+              <a:rPr lang="en-US" sz="1200" dirty="0">
                 <a:solidFill>
                   <a:srgbClr val="F4F1DE"/>
                 </a:solidFill>
@@ -9830,17 +9830,17 @@
               </a:rPr>
               <a:t>• Crops: Planting season preparation reminder</a:t>
             </a:r>
-            <a:endParaRPr lang="en-US" sz="1800" dirty="0"/>
+            <a:endParaRPr lang="en-US" sz="1200" dirty="0"/>
           </a:p>
           <a:p>
             <a:pPr algn="ctr" indent="0" marL="0">
               <a:lnSpc>
-                <a:spcPct val="130000"/>
+                <a:spcPct val="110000"/>
               </a:lnSpc>
               <a:buNone/>
             </a:pPr>
             <a:r>
-              <a:rPr lang="en-US" sz="1800" dirty="0">
+              <a:rPr lang="en-US" sz="1200" dirty="0">
                 <a:solidFill>
                   <a:srgbClr val="F4F1DE"/>
                 </a:solidFill>
@@ -9850,7 +9850,7 @@
               </a:rPr>
               <a:t>• Livestock: Livestock health check reminder</a:t>
             </a:r>
-            <a:endParaRPr lang="en-US" sz="1800" dirty="0"/>
+            <a:endParaRPr lang="en-US" sz="1200" dirty="0"/>
           </a:p>
         </p:txBody>
       </p:sp>
@@ -10280,127 +10280,6 @@
         <p:spPr>
           <a:xfrm>
             <a:off x="548640" y="1097280"/>
-            <a:ext cx="8046720" cy="365760"/>
-          </a:xfrm>
-          <a:prstGeom prst="rect">
-            <a:avLst/>
-          </a:prstGeom>
-          <a:noFill/>
-          <a:ln/>
-        </p:spPr>
-        <p:txBody>
-          <a:bodyPr wrap="square" rtlCol="0" anchor="t"/>
-          <a:lstStyle/>
-          <a:p>
-            <a:pPr indent="0" marL="0">
-              <a:lnSpc>
-                <a:spcPct val="130000"/>
-              </a:lnSpc>
-              <a:buNone/>
-            </a:pPr>
-            <a:r>
-              <a:rPr lang="en-US" sz="1800" b="1" dirty="0">
-                <a:solidFill>
-                  <a:srgbClr val="2C2C2C"/>
-                </a:solidFill>
-                <a:latin typeface="Arial" pitchFamily="34" charset="0"/>
-                <a:ea typeface="Arial" pitchFamily="34" charset="-122"/>
-                <a:cs typeface="Arial" pitchFamily="34" charset="-120"/>
-              </a:rPr>
-              <a:t>Create an automated farm reminder workflow. Choose your scenario:</a:t>
-            </a:r>
-            <a:endParaRPr lang="en-US" sz="1800" dirty="0"/>
-          </a:p>
-        </p:txBody>
-      </p:sp>
-      <p:sp>
-        <p:nvSpPr>
-          <p:cNvPr id="5" name="Text 3"/>
-          <p:cNvSpPr/>
-          <p:nvPr/>
-        </p:nvSpPr>
-        <p:spPr>
-          <a:xfrm>
-            <a:off x="548640" y="1554480"/>
-            <a:ext cx="8046720" cy="1188720"/>
-          </a:xfrm>
-          <a:prstGeom prst="rect">
-            <a:avLst/>
-          </a:prstGeom>
-          <a:noFill/>
-          <a:ln/>
-        </p:spPr>
-        <p:txBody>
-          <a:bodyPr wrap="square" rtlCol="0" anchor="t"/>
-          <a:lstStyle/>
-          <a:p>
-            <a:pPr>
-              <a:lnSpc>
-                <a:spcPct val="130000"/>
-              </a:lnSpc>
-            </a:pPr>
-            <a:r>
-              <a:rPr lang="en-US" sz="1600" dirty="0">
-                <a:solidFill>
-                  <a:srgbClr val="2C2C2C"/>
-                </a:solidFill>
-                <a:latin typeface="Arial" pitchFamily="34" charset="0"/>
-                <a:ea typeface="Arial" pitchFamily="34" charset="-122"/>
-                <a:cs typeface="Arial" pitchFamily="34" charset="-120"/>
-              </a:rPr>
-              <a:t>Option A: Weekly Equipment Check — every Monday at 7 AM</a:t>
-            </a:r>
-            <a:endParaRPr lang="en-US" sz="1600" dirty="0"/>
-          </a:p>
-          <a:p>
-            <a:pPr>
-              <a:lnSpc>
-                <a:spcPct val="130000"/>
-              </a:lnSpc>
-            </a:pPr>
-            <a:r>
-              <a:rPr lang="en-US" sz="1600" dirty="0">
-                <a:solidFill>
-                  <a:srgbClr val="2C2C2C"/>
-                </a:solidFill>
-                <a:latin typeface="Arial" pitchFamily="34" charset="0"/>
-                <a:ea typeface="Arial" pitchFamily="34" charset="-122"/>
-                <a:cs typeface="Arial" pitchFamily="34" charset="-120"/>
-              </a:rPr>
-              <a:t>Option B: Planting Season Reminder — first of each month at 8 AM</a:t>
-            </a:r>
-            <a:endParaRPr lang="en-US" sz="1600" dirty="0"/>
-          </a:p>
-          <a:p>
-            <a:pPr>
-              <a:lnSpc>
-                <a:spcPct val="130000"/>
-              </a:lnSpc>
-            </a:pPr>
-            <a:r>
-              <a:rPr lang="en-US" sz="1600" dirty="0">
-                <a:solidFill>
-                  <a:srgbClr val="2C2C2C"/>
-                </a:solidFill>
-                <a:latin typeface="Arial" pitchFamily="34" charset="0"/>
-                <a:ea typeface="Arial" pitchFamily="34" charset="-122"/>
-                <a:cs typeface="Arial" pitchFamily="34" charset="-120"/>
-              </a:rPr>
-              <a:t>Option C: Livestock Health Check — every Wednesday and Friday at 6 AM</a:t>
-            </a:r>
-            <a:endParaRPr lang="en-US" sz="1600" dirty="0"/>
-          </a:p>
-        </p:txBody>
-      </p:sp>
-      <p:sp>
-        <p:nvSpPr>
-          <p:cNvPr id="6" name="Text 4"/>
-          <p:cNvSpPr/>
-          <p:nvPr/>
-        </p:nvSpPr>
-        <p:spPr>
-          <a:xfrm>
-            <a:off x="548640" y="2743200"/>
             <a:ext cx="8046720" cy="274320"/>
           </a:xfrm>
           <a:prstGeom prst="rect">
@@ -10420,7 +10299,7 @@
               <a:buNone/>
             </a:pPr>
             <a:r>
-              <a:rPr lang="en-US" sz="1800" b="1" dirty="0">
+              <a:rPr lang="en-US" sz="1400" b="1" dirty="0">
                 <a:solidFill>
                   <a:srgbClr val="2C2C2C"/>
                 </a:solidFill>
@@ -10428,22 +10307,22 @@
                 <a:ea typeface="Arial" pitchFamily="34" charset="-122"/>
                 <a:cs typeface="Arial" pitchFamily="34" charset="-120"/>
               </a:rPr>
-              <a:t>Steps:</a:t>
-            </a:r>
-            <a:endParaRPr lang="en-US" sz="1800" dirty="0"/>
-          </a:p>
-        </p:txBody>
-      </p:sp>
-      <p:sp>
-        <p:nvSpPr>
-          <p:cNvPr id="7" name="Text 5"/>
+              <a:t>Create an automated farm reminder workflow. Choose your scenario:</a:t>
+            </a:r>
+            <a:endParaRPr lang="en-US" sz="1400" dirty="0"/>
+          </a:p>
+        </p:txBody>
+      </p:sp>
+      <p:sp>
+        <p:nvSpPr>
+          <p:cNvPr id="5" name="Text 3"/>
           <p:cNvSpPr/>
           <p:nvPr/>
         </p:nvSpPr>
         <p:spPr>
           <a:xfrm>
-            <a:off x="548640" y="3017520"/>
-            <a:ext cx="8046720" cy="1828800"/>
+            <a:off x="548640" y="1371600"/>
+            <a:ext cx="8046720" cy="777240"/>
           </a:xfrm>
           <a:prstGeom prst="rect">
             <a:avLst/>
@@ -10461,7 +10340,7 @@
               </a:lnSpc>
             </a:pPr>
             <a:r>
-              <a:rPr lang="en-US" sz="1600" dirty="0">
+              <a:rPr lang="en-US" sz="1200" dirty="0">
                 <a:solidFill>
                   <a:srgbClr val="2C2C2C"/>
                 </a:solidFill>
@@ -10469,9 +10348,130 @@
                 <a:ea typeface="Arial" pitchFamily="34" charset="-122"/>
                 <a:cs typeface="Arial" pitchFamily="34" charset="-120"/>
               </a:rPr>
+              <a:t>Option A: Weekly Equipment Check — every Monday at 7 AM</a:t>
+            </a:r>
+            <a:endParaRPr lang="en-US" sz="1200" dirty="0"/>
+          </a:p>
+          <a:p>
+            <a:pPr>
+              <a:lnSpc>
+                <a:spcPct val="130000"/>
+              </a:lnSpc>
+            </a:pPr>
+            <a:r>
+              <a:rPr lang="en-US" sz="1200" dirty="0">
+                <a:solidFill>
+                  <a:srgbClr val="2C2C2C"/>
+                </a:solidFill>
+                <a:latin typeface="Arial" pitchFamily="34" charset="0"/>
+                <a:ea typeface="Arial" pitchFamily="34" charset="-122"/>
+                <a:cs typeface="Arial" pitchFamily="34" charset="-120"/>
+              </a:rPr>
+              <a:t>Option B: Planting Season Reminder — first of each month at 8 AM</a:t>
+            </a:r>
+            <a:endParaRPr lang="en-US" sz="1200" dirty="0"/>
+          </a:p>
+          <a:p>
+            <a:pPr>
+              <a:lnSpc>
+                <a:spcPct val="130000"/>
+              </a:lnSpc>
+            </a:pPr>
+            <a:r>
+              <a:rPr lang="en-US" sz="1200" dirty="0">
+                <a:solidFill>
+                  <a:srgbClr val="2C2C2C"/>
+                </a:solidFill>
+                <a:latin typeface="Arial" pitchFamily="34" charset="0"/>
+                <a:ea typeface="Arial" pitchFamily="34" charset="-122"/>
+                <a:cs typeface="Arial" pitchFamily="34" charset="-120"/>
+              </a:rPr>
+              <a:t>Option C: Livestock Health Check — every Wednesday and Friday at 6 AM</a:t>
+            </a:r>
+            <a:endParaRPr lang="en-US" sz="1200" dirty="0"/>
+          </a:p>
+        </p:txBody>
+      </p:sp>
+      <p:sp>
+        <p:nvSpPr>
+          <p:cNvPr id="6" name="Text 4"/>
+          <p:cNvSpPr/>
+          <p:nvPr/>
+        </p:nvSpPr>
+        <p:spPr>
+          <a:xfrm>
+            <a:off x="548640" y="2148840"/>
+            <a:ext cx="8046720" cy="228600"/>
+          </a:xfrm>
+          <a:prstGeom prst="rect">
+            <a:avLst/>
+          </a:prstGeom>
+          <a:noFill/>
+          <a:ln/>
+        </p:spPr>
+        <p:txBody>
+          <a:bodyPr wrap="square" rtlCol="0" anchor="t"/>
+          <a:lstStyle/>
+          <a:p>
+            <a:pPr indent="0" marL="0">
+              <a:lnSpc>
+                <a:spcPct val="130000"/>
+              </a:lnSpc>
+              <a:buNone/>
+            </a:pPr>
+            <a:r>
+              <a:rPr lang="en-US" sz="1300" b="1" dirty="0">
+                <a:solidFill>
+                  <a:srgbClr val="2C2C2C"/>
+                </a:solidFill>
+                <a:latin typeface="Arial" pitchFamily="34" charset="0"/>
+                <a:ea typeface="Arial" pitchFamily="34" charset="-122"/>
+                <a:cs typeface="Arial" pitchFamily="34" charset="-120"/>
+              </a:rPr>
+              <a:t>Steps:</a:t>
+            </a:r>
+            <a:endParaRPr lang="en-US" sz="1300" dirty="0"/>
+          </a:p>
+        </p:txBody>
+      </p:sp>
+      <p:sp>
+        <p:nvSpPr>
+          <p:cNvPr id="7" name="Text 5"/>
+          <p:cNvSpPr/>
+          <p:nvPr/>
+        </p:nvSpPr>
+        <p:spPr>
+          <a:xfrm>
+            <a:off x="548640" y="2377440"/>
+            <a:ext cx="8046720" cy="1463040"/>
+          </a:xfrm>
+          <a:prstGeom prst="rect">
+            <a:avLst/>
+          </a:prstGeom>
+          <a:noFill/>
+          <a:ln/>
+        </p:spPr>
+        <p:txBody>
+          <a:bodyPr wrap="square" rtlCol="0" anchor="t"/>
+          <a:lstStyle/>
+          <a:p>
+            <a:pPr>
+              <a:lnSpc>
+                <a:spcPct val="130000"/>
+              </a:lnSpc>
+            </a:pPr>
+            <a:r>
+              <a:rPr lang="en-US" sz="1100" dirty="0">
+                <a:solidFill>
+                  <a:srgbClr val="2C2C2C"/>
+                </a:solidFill>
+                <a:latin typeface="Arial" pitchFamily="34" charset="0"/>
+                <a:ea typeface="Arial" pitchFamily="34" charset="-122"/>
+                <a:cs typeface="Arial" pitchFamily="34" charset="-120"/>
+              </a:rPr>
               <a:t>Create a new workflow file in .github/workflows/</a:t>
             </a:r>
-            <a:endParaRPr lang="en-US" sz="1600" dirty="0"/>
+            <a:endParaRPr lang="en-US" sz="1100" dirty="0"/>
           </a:p>
           <a:p>
             <a:pPr>
@@ -10480,7 +10480,7 @@
               </a:lnSpc>
             </a:pPr>
             <a:r>
-              <a:rPr lang="en-US" sz="1600" dirty="0">
+              <a:rPr lang="en-US" sz="1100" dirty="0">
                 <a:solidFill>
                   <a:srgbClr val="2C2C2C"/>
                 </a:solidFill>
@@ -10490,7 +10490,7 @@
               </a:rPr>
               <a:t>Copy the YAML template for your scenario</a:t>
             </a:r>
-            <a:endParaRPr lang="en-US" sz="1600" dirty="0"/>
+            <a:endParaRPr lang="en-US" sz="1100" dirty="0"/>
           </a:p>
           <a:p>
             <a:pPr>
@@ -10499,7 +10499,7 @@
               </a:lnSpc>
             </a:pPr>
             <a:r>
-              <a:rPr lang="en-US" sz="1600" dirty="0">
+              <a:rPr lang="en-US" sz="1100" dirty="0">
                 <a:solidFill>
                   <a:srgbClr val="2C2C2C"/>
                 </a:solidFill>
@@ -10509,7 +10509,7 @@
               </a:rPr>
               <a:t>Customize the Issue title and checklist</a:t>
             </a:r>
-            <a:endParaRPr lang="en-US" sz="1600" dirty="0"/>
+            <a:endParaRPr lang="en-US" sz="1100" dirty="0"/>
           </a:p>
           <a:p>
             <a:pPr>
@@ -10518,7 +10518,7 @@
               </a:lnSpc>
             </a:pPr>
             <a:r>
-              <a:rPr lang="en-US" sz="1600" dirty="0">
+              <a:rPr lang="en-US" sz="1100" dirty="0">
                 <a:solidFill>
                   <a:srgbClr val="2C2C2C"/>
                 </a:solidFill>
@@ -10528,7 +10528,7 @@
               </a:rPr>
               <a:t>Add workflow_dispatch for testing</a:t>
             </a:r>
-            <a:endParaRPr lang="en-US" sz="1600" dirty="0"/>
+            <a:endParaRPr lang="en-US" sz="1100" dirty="0"/>
           </a:p>
           <a:p>
             <a:pPr>
@@ -10537,7 +10537,7 @@
               </a:lnSpc>
             </a:pPr>
             <a:r>
-              <a:rPr lang="en-US" sz="1600" dirty="0">
+              <a:rPr lang="en-US" sz="1100" dirty="0">
                 <a:solidFill>
                   <a:srgbClr val="2C2C2C"/>
                 </a:solidFill>
@@ -10547,7 +10547,7 @@
               </a:rPr>
               <a:t>Commit, test, and verify in the Actions tab</a:t>
             </a:r>
-            <a:endParaRPr lang="en-US" sz="1600" dirty="0"/>
+            <a:endParaRPr lang="en-US" sz="1100" dirty="0"/>
           </a:p>
           <a:p>
             <a:pPr>
@@ -10556,7 +10556,7 @@
               </a:lnSpc>
             </a:pPr>
             <a:r>
-              <a:rPr lang="en-US" sz="1600" dirty="0">
+              <a:rPr lang="en-US" sz="1100" dirty="0">
                 <a:solidFill>
                   <a:srgbClr val="2C2C2C"/>
                 </a:solidFill>
@@ -10566,7 +10566,7 @@
               </a:rPr>
               <a:t>If it fails, read the error log and fix the problem</a:t>
             </a:r>
-            <a:endParaRPr lang="en-US" sz="1600" dirty="0"/>
+            <a:endParaRPr lang="en-US" sz="1100" dirty="0"/>
           </a:p>
         </p:txBody>
       </p:sp>
@@ -10578,7 +10578,7 @@
         </p:nvSpPr>
         <p:spPr>
           <a:xfrm>
-            <a:off x="548640" y="4389120"/>
+            <a:off x="548640" y="3931920"/>
             <a:ext cx="8046720" cy="274320"/>
           </a:xfrm>
           <a:prstGeom prst="rect">
@@ -10598,7 +10598,7 @@
               <a:buNone/>
             </a:pPr>
             <a:r>
-              <a:rPr lang="en-US" sz="1400" i="1" dirty="0">
+              <a:rPr lang="en-US" sz="1200" i="1" dirty="0">
                 <a:solidFill>
                   <a:srgbClr val="4E9F3D"/>
                 </a:solidFill>
@@ -10608,7 +10608,7 @@
               </a:rPr>
               <a:t>Stretch challenge: Modify the cron schedule to a different day or time.</a:t>
             </a:r>
-            <a:endParaRPr lang="en-US" sz="1400" dirty="0"/>
+            <a:endParaRPr lang="en-US" sz="1200" dirty="0"/>
           </a:p>
         </p:txBody>
       </p:sp>
@@ -13031,7 +13031,7 @@
         </p:nvSpPr>
         <p:spPr>
           <a:xfrm>
-            <a:off x="548640" y="1645920"/>
+            <a:off x="548640" y="1554480"/>
             <a:ext cx="8046720" cy="2377440"/>
           </a:xfrm>
           <a:prstGeom prst="rect">
@@ -13050,7 +13050,7 @@
               </a:lnSpc>
             </a:pPr>
             <a:r>
-              <a:rPr lang="en-US" sz="1800" dirty="0">
+              <a:rPr lang="en-US" sz="1600" dirty="0">
                 <a:solidFill>
                   <a:srgbClr val="2C2C2C"/>
                 </a:solidFill>
@@ -13060,7 +13060,7 @@
               </a:rPr>
               <a:t>Triggers — events that start a workflow (like a motion sensor turning on a barn light)</a:t>
             </a:r>
-            <a:endParaRPr lang="en-US" sz="1800" dirty="0"/>
+            <a:endParaRPr lang="en-US" sz="1600" dirty="0"/>
           </a:p>
           <a:p>
             <a:pPr>
@@ -13069,7 +13069,7 @@
               </a:lnSpc>
             </a:pPr>
             <a:r>
-              <a:rPr lang="en-US" sz="1800" dirty="0">
+              <a:rPr lang="en-US" sz="1600" dirty="0">
                 <a:solidFill>
                   <a:srgbClr val="2C2C2C"/>
                 </a:solidFill>
@@ -13079,7 +13079,7 @@
               </a:rPr>
               <a:t>YAML — the language workflows are written in (like a recipe card with exact formatting)</a:t>
             </a:r>
-            <a:endParaRPr lang="en-US" sz="1800" dirty="0"/>
+            <a:endParaRPr lang="en-US" sz="1600" dirty="0"/>
           </a:p>
           <a:p>
             <a:pPr>
@@ -13088,7 +13088,7 @@
               </a:lnSpc>
             </a:pPr>
             <a:r>
-              <a:rPr lang="en-US" sz="1800" dirty="0">
+              <a:rPr lang="en-US" sz="1600" dirty="0">
                 <a:solidFill>
                   <a:srgbClr val="2C2C2C"/>
                 </a:solidFill>
@@ -13098,7 +13098,7 @@
               </a:rPr>
               <a:t>Workflow file — lives in the .github/workflows/ folder of your repository</a:t>
             </a:r>
-            <a:endParaRPr lang="en-US" sz="1800" dirty="0"/>
+            <a:endParaRPr lang="en-US" sz="1600" dirty="0"/>
           </a:p>
           <a:p>
             <a:pPr>
@@ -13107,7 +13107,7 @@
               </a:lnSpc>
             </a:pPr>
             <a:r>
-              <a:rPr lang="en-US" sz="1800" dirty="0">
+              <a:rPr lang="en-US" sz="1600" dirty="0">
                 <a:solidFill>
                   <a:srgbClr val="2C2C2C"/>
                 </a:solidFill>
@@ -13117,7 +13117,7 @@
               </a:rPr>
               <a:t>Three trigger types: manual (workflow_dispatch), event-based (push, issues), and scheduled (schedule)</a:t>
             </a:r>
-            <a:endParaRPr lang="en-US" sz="1800" dirty="0"/>
+            <a:endParaRPr lang="en-US" sz="1600" dirty="0"/>
           </a:p>
         </p:txBody>
       </p:sp>
@@ -13129,8 +13129,8 @@
         </p:nvSpPr>
         <p:spPr>
           <a:xfrm>
-            <a:off x="548640" y="3840480"/>
-            <a:ext cx="8046720" cy="548640"/>
+            <a:off x="548640" y="4023360"/>
+            <a:ext cx="8046720" cy="457200"/>
           </a:xfrm>
           <a:prstGeom prst="rect">
             <a:avLst/>
